--- a/netconf-sayedha.pptx
+++ b/netconf-sayedha.pptx
@@ -5,10 +5,10 @@
     <p:sldMasterId id="2147484229" r:id="rId4"/>
   </p:sldMasterIdLst>
   <p:notesMasterIdLst>
-    <p:notesMasterId r:id="rId11"/>
+    <p:notesMasterId r:id="rId12"/>
   </p:notesMasterIdLst>
   <p:handoutMasterIdLst>
-    <p:handoutMasterId r:id="rId12"/>
+    <p:handoutMasterId r:id="rId13"/>
   </p:handoutMasterIdLst>
   <p:sldIdLst>
     <p:sldId id="1398" r:id="rId5"/>
@@ -17,6 +17,7 @@
     <p:sldId id="1399" r:id="rId8"/>
     <p:sldId id="1400" r:id="rId9"/>
     <p:sldId id="1401" r:id="rId10"/>
+    <p:sldId id="1402" r:id="rId11"/>
   </p:sldIdLst>
   <p:sldSz cx="12436475" cy="6994525"/>
   <p:notesSz cx="6858000" cy="9144000"/>
@@ -126,6 +127,7 @@
             <p14:sldId id="1399"/>
             <p14:sldId id="1400"/>
             <p14:sldId id="1401"/>
+            <p14:sldId id="1402"/>
           </p14:sldIdLst>
         </p14:section>
       </p14:sectionLst>
@@ -260,7 +262,7 @@
               <a:rPr lang="en-US" smtClean="0">
                 <a:latin typeface="Segoe UI" pitchFamily="34" charset="0"/>
               </a:rPr>
-              <a:t>6/7/2016 8:47 AM</a:t>
+              <a:t>6/7/2016 11:13 AM</a:t>
             </a:fld>
             <a:endParaRPr lang="en-US" dirty="0">
               <a:latin typeface="Segoe UI" pitchFamily="34" charset="0"/>
@@ -542,7 +544,7 @@
           <a:p>
             <a:fld id="{38EEC551-8CDA-4EB6-89BB-2A86C9F091C8}" type="datetime8">
               <a:rPr lang="en-US" smtClean="0"/>
-              <a:t>6/7/2016 8:46 AM</a:t>
+              <a:t>6/7/2016 11:13 AM</a:t>
             </a:fld>
             <a:endParaRPr lang="en-US" dirty="0"/>
           </a:p>
@@ -929,7 +931,7 @@
           <a:p>
             <a:fld id="{38EEC551-8CDA-4EB6-89BB-2A86C9F091C8}" type="datetime8">
               <a:rPr lang="en-US" smtClean="0"/>
-              <a:t>6/7/2016 8:46 AM</a:t>
+              <a:t>6/7/2016 11:13 AM</a:t>
             </a:fld>
             <a:endParaRPr lang="en-US" dirty="0"/>
           </a:p>
@@ -1114,7 +1116,7 @@
           <a:p>
             <a:fld id="{38EEC551-8CDA-4EB6-89BB-2A86C9F091C8}" type="datetime8">
               <a:rPr lang="en-US" smtClean="0"/>
-              <a:t>6/7/2016 8:47 AM</a:t>
+              <a:t>6/7/2016 11:13 AM</a:t>
             </a:fld>
             <a:endParaRPr lang="en-US" dirty="0"/>
           </a:p>
@@ -1283,7 +1285,7 @@
           <a:p>
             <a:fld id="{90EC29EE-A8AD-4CE0-9C0B-116E0D4D7533}" type="datetime8">
               <a:rPr lang="en-US" smtClean="0"/>
-              <a:t>6/7/2016 8:47 AM</a:t>
+              <a:t>6/7/2016 11:13 AM</a:t>
             </a:fld>
             <a:endParaRPr lang="en-US" dirty="0"/>
           </a:p>
@@ -7099,6 +7101,13 @@
       </p:transition>
     </mc:Fallback>
   </mc:AlternateContent>
+  <p:timing>
+    <p:tnLst>
+      <p:par>
+        <p:cTn id="1" dur="indefinite" restart="never" nodeType="tmRoot"/>
+      </p:par>
+    </p:tnLst>
+  </p:timing>
 </p:sld>
 </file>
 
@@ -7194,6 +7203,13 @@
       </p:transition>
     </mc:Fallback>
   </mc:AlternateContent>
+  <p:timing>
+    <p:tnLst>
+      <p:par>
+        <p:cTn id="1" dur="indefinite" restart="never" nodeType="tmRoot"/>
+      </p:par>
+    </p:tnLst>
+  </p:timing>
 </p:sld>
 </file>
 
@@ -7314,6 +7330,13 @@
       </p:transition>
     </mc:Fallback>
   </mc:AlternateContent>
+  <p:timing>
+    <p:tnLst>
+      <p:par>
+        <p:cTn id="1" dur="indefinite" restart="never" nodeType="tmRoot"/>
+      </p:par>
+    </p:tnLst>
+  </p:timing>
 </p:sld>
 </file>
 
@@ -7375,6 +7398,13 @@
   <p:transition>
     <p:fade/>
   </p:transition>
+  <p:timing>
+    <p:tnLst>
+      <p:par>
+        <p:cTn id="1" dur="indefinite" restart="never" nodeType="tmRoot"/>
+      </p:par>
+    </p:tnLst>
+  </p:timing>
 </p:sld>
 </file>
 
@@ -8003,6 +8033,13 @@
   <p:transition>
     <p:fade/>
   </p:transition>
+  <p:timing>
+    <p:tnLst>
+      <p:par>
+        <p:cTn id="1" dur="indefinite" restart="never" nodeType="tmRoot"/>
+      </p:par>
+    </p:tnLst>
+  </p:timing>
 </p:sld>
 </file>
 
@@ -8117,12 +8154,6 @@
               </a:rPr>
               <a:t>get-help publish-aspnet -full</a:t>
             </a:r>
-            <a:endParaRPr lang="en-US" sz="3200" dirty="0">
-              <a:solidFill>
-                <a:schemeClr val="bg1"/>
-              </a:solidFill>
-              <a:latin typeface="Source Code Pro" panose="020B0509030403020204" pitchFamily="49" charset="0"/>
-            </a:endParaRPr>
           </a:p>
         </p:txBody>
       </p:sp>
@@ -8162,6 +8193,190 @@
   <p:transition>
     <p:fade/>
   </p:transition>
+  <p:timing>
+    <p:tnLst>
+      <p:par>
+        <p:cTn id="1" dur="indefinite" restart="never" nodeType="tmRoot"/>
+      </p:par>
+    </p:tnLst>
+  </p:timing>
+</p:sld>
+</file>
+
+<file path=ppt/slides/slide7.xml><?xml version="1.0" encoding="utf-8"?>
+<p:sld xmlns:a="http://schemas.openxmlformats.org/drawingml/2006/main" xmlns:r="http://schemas.openxmlformats.org/officeDocument/2006/relationships" xmlns:p="http://schemas.openxmlformats.org/presentationml/2006/main">
+  <p:cSld>
+    <p:spTree>
+      <p:nvGrpSpPr>
+        <p:cNvPr id="1" name=""/>
+        <p:cNvGrpSpPr/>
+        <p:nvPr/>
+      </p:nvGrpSpPr>
+      <p:grpSpPr>
+        <a:xfrm>
+          <a:off x="0" y="0"/>
+          <a:ext cx="0" cy="0"/>
+          <a:chOff x="0" y="0"/>
+          <a:chExt cx="0" cy="0"/>
+        </a:xfrm>
+      </p:grpSpPr>
+      <p:sp>
+        <p:nvSpPr>
+          <p:cNvPr id="3" name="Text Placeholder 2"/>
+          <p:cNvSpPr>
+            <a:spLocks noGrp="1"/>
+          </p:cNvSpPr>
+          <p:nvPr>
+            <p:ph type="body" sz="quarter" idx="10"/>
+          </p:nvPr>
+        </p:nvSpPr>
+        <p:spPr>
+          <a:xfrm>
+            <a:off x="274638" y="1212850"/>
+            <a:ext cx="11887200" cy="6586418"/>
+          </a:xfrm>
+        </p:spPr>
+        <p:txBody>
+          <a:bodyPr/>
+          <a:lstStyle/>
+          <a:p>
+            <a:pPr fontAlgn="ctr"/>
+            <a:r>
+              <a:rPr lang="en-US" dirty="0">
+                <a:hlinkClick r:id="rId2"/>
+              </a:rPr>
+              <a:t>https://docs.asp.net/en/latest/publishing/index.html</a:t>
+            </a:r>
+            <a:endParaRPr lang="en-US" dirty="0"/>
+          </a:p>
+          <a:p>
+            <a:pPr fontAlgn="ctr"/>
+            <a:endParaRPr lang="en-US" dirty="0" smtClean="0">
+              <a:hlinkClick r:id="rId3"/>
+            </a:endParaRPr>
+          </a:p>
+          <a:p>
+            <a:pPr fontAlgn="ctr"/>
+            <a:r>
+              <a:rPr lang="en-US" dirty="0" smtClean="0">
+                <a:hlinkClick r:id="rId3"/>
+              </a:rPr>
+              <a:t>https</a:t>
+            </a:r>
+            <a:r>
+              <a:rPr lang="en-US" dirty="0">
+                <a:hlinkClick r:id="rId3"/>
+              </a:rPr>
+              <a:t>://docs.asp.net/en/latest/publishing/web-publishing-vs.html</a:t>
+            </a:r>
+            <a:endParaRPr lang="en-US" dirty="0"/>
+          </a:p>
+          <a:p>
+            <a:pPr fontAlgn="ctr"/>
+            <a:endParaRPr lang="en-US" dirty="0" smtClean="0">
+              <a:hlinkClick r:id="rId4"/>
+            </a:endParaRPr>
+          </a:p>
+          <a:p>
+            <a:pPr fontAlgn="ctr"/>
+            <a:r>
+              <a:rPr lang="en-US" dirty="0" smtClean="0">
+                <a:hlinkClick r:id="rId4"/>
+              </a:rPr>
+              <a:t>https</a:t>
+            </a:r>
+            <a:r>
+              <a:rPr lang="en-US" dirty="0">
+                <a:hlinkClick r:id="rId4"/>
+              </a:rPr>
+              <a:t>://</a:t>
+            </a:r>
+            <a:r>
+              <a:rPr lang="en-US" dirty="0" smtClean="0">
+                <a:hlinkClick r:id="rId4"/>
+              </a:rPr>
+              <a:t>docs.asp.net/en/latest/publishing/iis-with-msdeploy.html</a:t>
+            </a:r>
+            <a:endParaRPr lang="en-US" dirty="0" smtClean="0"/>
+          </a:p>
+          <a:p>
+            <a:pPr fontAlgn="ctr"/>
+            <a:endParaRPr lang="en-US" dirty="0"/>
+          </a:p>
+          <a:p>
+            <a:pPr fontAlgn="ctr"/>
+            <a:r>
+              <a:rPr lang="en-US">
+                <a:hlinkClick r:id="rId5"/>
+              </a:rPr>
+              <a:t>https</a:t>
+            </a:r>
+            <a:r>
+              <a:rPr lang="en-US">
+                <a:hlinkClick r:id="rId5"/>
+              </a:rPr>
+              <a:t>://</a:t>
+            </a:r>
+            <a:r>
+              <a:rPr lang="en-US" smtClean="0">
+                <a:hlinkClick r:id="rId5"/>
+              </a:rPr>
+              <a:t>github.com/sayedihashimi/netconf2016</a:t>
+            </a:r>
+            <a:r>
+              <a:rPr lang="en-US" smtClean="0"/>
+              <a:t> </a:t>
+            </a:r>
+            <a:endParaRPr lang="en-US" dirty="0"/>
+          </a:p>
+          <a:p>
+            <a:endParaRPr lang="en-US" dirty="0"/>
+          </a:p>
+        </p:txBody>
+      </p:sp>
+      <p:sp>
+        <p:nvSpPr>
+          <p:cNvPr id="2" name="Title 1"/>
+          <p:cNvSpPr>
+            <a:spLocks noGrp="1"/>
+          </p:cNvSpPr>
+          <p:nvPr>
+            <p:ph type="title"/>
+          </p:nvPr>
+        </p:nvSpPr>
+        <p:spPr/>
+        <p:txBody>
+          <a:bodyPr/>
+          <a:lstStyle/>
+          <a:p>
+            <a:r>
+              <a:rPr lang="en-US" dirty="0" smtClean="0"/>
+              <a:t>Resources</a:t>
+            </a:r>
+            <a:endParaRPr lang="en-US" dirty="0"/>
+          </a:p>
+        </p:txBody>
+      </p:sp>
+    </p:spTree>
+    <p:extLst>
+      <p:ext uri="{BB962C8B-B14F-4D97-AF65-F5344CB8AC3E}">
+        <p14:creationId xmlns:p14="http://schemas.microsoft.com/office/powerpoint/2010/main" val="1439823725"/>
+      </p:ext>
+    </p:extLst>
+  </p:cSld>
+  <p:clrMapOvr>
+    <a:masterClrMapping/>
+  </p:clrMapOvr>
+  <p:transition>
+    <p:fade/>
+  </p:transition>
+  <p:timing>
+    <p:tnLst>
+      <p:par>
+        <p:cTn id="1" dur="indefinite" restart="never" nodeType="tmRoot"/>
+      </p:par>
+    </p:tnLst>
+  </p:timing>
 </p:sld>
 </file>
 
@@ -9026,6 +9241,76 @@
 </file>
 
 <file path=customXml/item1.xml><?xml version="1.0" encoding="utf-8"?>
+<p:properties xmlns:p="http://schemas.microsoft.com/office/2006/metadata/properties" xmlns:xsi="http://www.w3.org/2001/XMLSchema-instance" xmlns:pc="http://schemas.microsoft.com/office/infopath/2007/PartnerControls">
+  <documentManagement>
+    <LikesCount xmlns="http://schemas.microsoft.com/sharepoint/v3" xsi:nil="true"/>
+    <d12e2661e9634d9aa98bbb375f31aced xmlns="01c77077-aee4-4b5f-bd4e-9cd40a6fff29">
+      <Terms xmlns="http://schemas.microsoft.com/office/infopath/2007/PartnerControls"/>
+    </d12e2661e9634d9aa98bbb375f31aced>
+    <Event_x0020_Start_x0020_Date xmlns="01c77077-aee4-4b5f-bd4e-9cd40a6fff29">2016-06-07T07:00:00+00:00</Event_x0020_Start_x0020_Date>
+    <Target_x0020_Audiences xmlns="8ff673fc-3231-4e3a-893b-6d7f7cd32766" xsi:nil="true"/>
+    <iaa5f83406f94009a0f6a3e890699ff7 xmlns="01c77077-aee4-4b5f-bd4e-9cd40a6fff29">
+      <Terms xmlns="http://schemas.microsoft.com/office/infopath/2007/PartnerControls"/>
+    </iaa5f83406f94009a0f6a3e890699ff7>
+    <External_x0020_Speaker xmlns="01c77077-aee4-4b5f-bd4e-9cd40a6fff29" xsi:nil="true"/>
+    <m6878b9dd7994da4ba144f95347d99c6 xmlns="01c77077-aee4-4b5f-bd4e-9cd40a6fff29">
+      <Terms xmlns="http://schemas.microsoft.com/office/infopath/2007/PartnerControls"/>
+    </m6878b9dd7994da4ba144f95347d99c6>
+    <Presentation_x0020_Date xmlns="01c77077-aee4-4b5f-bd4e-9cd40a6fff29" xsi:nil="true"/>
+    <fc15c16204564de583b4c942b10d19ec xmlns="01c77077-aee4-4b5f-bd4e-9cd40a6fff29">
+      <Terms xmlns="http://schemas.microsoft.com/office/infopath/2007/PartnerControls"/>
+    </fc15c16204564de583b4c942b10d19ec>
+    <mb2e01f7e2d8413988e28e59aa226eec xmlns="01c77077-aee4-4b5f-bd4e-9cd40a6fff29">
+      <Terms xmlns="http://schemas.microsoft.com/office/infopath/2007/PartnerControls"/>
+    </mb2e01f7e2d8413988e28e59aa226eec>
+    <MS_x0020_Content_x0020_Owner xmlns="01c77077-aee4-4b5f-bd4e-9cd40a6fff29">
+      <UserInfo>
+        <DisplayName/>
+        <AccountId xsi:nil="true"/>
+        <AccountType/>
+      </UserInfo>
+    </MS_x0020_Content_x0020_Owner>
+    <Session_x0020_Code xmlns="01c77077-aee4-4b5f-bd4e-9cd40a6fff29" xsi:nil="true"/>
+    <Event_x0020_End_x0020_Date xmlns="01c77077-aee4-4b5f-bd4e-9cd40a6fff29">2016-06-09T07:00:00+00:00</Event_x0020_End_x0020_Date>
+    <o1010385baed4da9b5076a6aa651d1e5 xmlns="01c77077-aee4-4b5f-bd4e-9cd40a6fff29">
+      <Terms xmlns="http://schemas.microsoft.com/office/infopath/2007/PartnerControls"/>
+    </o1010385baed4da9b5076a6aa651d1e5>
+    <kc6d1bd9a46e4e5fbbbf99ca3de7a092 xmlns="01c77077-aee4-4b5f-bd4e-9cd40a6fff29">
+      <Terms xmlns="http://schemas.microsoft.com/office/infopath/2007/PartnerControls"/>
+    </kc6d1bd9a46e4e5fbbbf99ca3de7a092>
+    <MS_x0020_Speaker xmlns="01c77077-aee4-4b5f-bd4e-9cd40a6fff29">
+      <UserInfo>
+        <DisplayName/>
+        <AccountId xsi:nil="true"/>
+        <AccountType/>
+      </UserInfo>
+    </MS_x0020_Speaker>
+    <TaxKeywordTaxHTField xmlns="230e9df3-be65-4c73-a93b-d1236ebd677e">
+      <Terms xmlns="http://schemas.microsoft.com/office/infopath/2007/PartnerControls">
+        <TermInfo xmlns="http://schemas.microsoft.com/office/infopath/2007/PartnerControls">
+          <TermName xmlns="http://schemas.microsoft.com/office/infopath/2007/PartnerControls">dotnetConf</TermName>
+          <TermId xmlns="http://schemas.microsoft.com/office/infopath/2007/PartnerControls">be266ed6-d54a-44a0-a41e-10cf95a5491e</TermId>
+        </TermInfo>
+      </Terms>
+    </TaxKeywordTaxHTField>
+    <TaxCatchAll xmlns="230e9df3-be65-4c73-a93b-d1236ebd677e">
+      <Value>179</Value>
+    </TaxCatchAll>
+    <NumberofDownloads xmlns="230e9df3-be65-4c73-a93b-d1236ebd677e" xsi:nil="true"/>
+  </documentManagement>
+</p:properties>
+</file>
+
+<file path=customXml/item2.xml><?xml version="1.0" encoding="utf-8"?>
+<?mso-contentType ?>
+<FormTemplates xmlns="http://schemas.microsoft.com/sharepoint/v3/contenttype/forms">
+  <Display>DocumentLibraryForm</Display>
+  <Edit>DocumentLibraryForm</Edit>
+  <New>DocumentLibraryForm</New>
+</FormTemplates>
+</file>
+
+<file path=customXml/item3.xml><?xml version="1.0" encoding="utf-8"?>
 <ct:contentTypeSchema xmlns:ct="http://schemas.microsoft.com/office/2006/metadata/contentType" xmlns:ma="http://schemas.microsoft.com/office/2006/metadata/properties/metaAttributes" ct:_="" ma:_="" ma:contentTypeName="PresentationsDoc" ma:contentTypeID="0x01010031DCF4CA090F824DB1E4CCBB6B9D64EA00101E8AAD132F8F4D96340D6376C8BB3E" ma:contentTypeVersion="22" ma:contentTypeDescription="" ma:contentTypeScope="" ma:versionID="8add498658ef06bbcf3bc1f2c97d938c">
   <xsd:schema xmlns:xsd="http://www.w3.org/2001/XMLSchema" xmlns:xs="http://www.w3.org/2001/XMLSchema" xmlns:p="http://schemas.microsoft.com/office/2006/metadata/properties" xmlns:ns1="http://schemas.microsoft.com/sharepoint/v3" xmlns:ns2="01c77077-aee4-4b5f-bd4e-9cd40a6fff29" xmlns:ns3="230e9df3-be65-4c73-a93b-d1236ebd677e" xmlns:ns5="8ff673fc-3231-4e3a-893b-6d7f7cd32766" targetNamespace="http://schemas.microsoft.com/office/2006/metadata/properties" ma:root="true" ma:fieldsID="a14070d067e341e7ddc7e27ecc4a2d88" ns1:_="" ns2:_="" ns3:_="" ns5:_="">
     <xsd:import namespace="http://schemas.microsoft.com/sharepoint/v3"/>
@@ -9382,77 +9667,34 @@
 </ct:contentTypeSchema>
 </file>
 
-<file path=customXml/item2.xml><?xml version="1.0" encoding="utf-8"?>
-<?mso-contentType ?>
-<FormTemplates xmlns="http://schemas.microsoft.com/sharepoint/v3/contenttype/forms">
-  <Display>DocumentLibraryForm</Display>
-  <Edit>DocumentLibraryForm</Edit>
-  <New>DocumentLibraryForm</New>
-</FormTemplates>
+<file path=customXml/itemProps1.xml><?xml version="1.0" encoding="utf-8"?>
+<ds:datastoreItem xmlns:ds="http://schemas.openxmlformats.org/officeDocument/2006/customXml" ds:itemID="{F990F116-B58F-4255-B05B-DA3808E0E5C6}">
+  <ds:schemaRefs>
+    <ds:schemaRef ds:uri="http://schemas.microsoft.com/office/2006/metadata/properties"/>
+    <ds:schemaRef ds:uri="230e9df3-be65-4c73-a93b-d1236ebd677e"/>
+    <ds:schemaRef ds:uri="01c77077-aee4-4b5f-bd4e-9cd40a6fff29"/>
+    <ds:schemaRef ds:uri="http://schemas.openxmlformats.org/package/2006/metadata/core-properties"/>
+    <ds:schemaRef ds:uri="8ff673fc-3231-4e3a-893b-6d7f7cd32766"/>
+    <ds:schemaRef ds:uri="http://schemas.microsoft.com/office/2006/documentManagement/types"/>
+    <ds:schemaRef ds:uri="http://schemas.microsoft.com/office/infopath/2007/PartnerControls"/>
+    <ds:schemaRef ds:uri="http://purl.org/dc/dcmitype/"/>
+    <ds:schemaRef ds:uri="http://purl.org/dc/elements/1.1/"/>
+    <ds:schemaRef ds:uri="http://schemas.microsoft.com/sharepoint/v3"/>
+    <ds:schemaRef ds:uri="http://www.w3.org/XML/1998/namespace"/>
+    <ds:schemaRef ds:uri="http://purl.org/dc/terms/"/>
+  </ds:schemaRefs>
+</ds:datastoreItem>
 </file>
 
-<file path=customXml/item3.xml><?xml version="1.0" encoding="utf-8"?>
-<p:properties xmlns:p="http://schemas.microsoft.com/office/2006/metadata/properties" xmlns:xsi="http://www.w3.org/2001/XMLSchema-instance" xmlns:pc="http://schemas.microsoft.com/office/infopath/2007/PartnerControls">
-  <documentManagement>
-    <LikesCount xmlns="http://schemas.microsoft.com/sharepoint/v3" xsi:nil="true"/>
-    <d12e2661e9634d9aa98bbb375f31aced xmlns="01c77077-aee4-4b5f-bd4e-9cd40a6fff29">
-      <Terms xmlns="http://schemas.microsoft.com/office/infopath/2007/PartnerControls"/>
-    </d12e2661e9634d9aa98bbb375f31aced>
-    <Event_x0020_Start_x0020_Date xmlns="01c77077-aee4-4b5f-bd4e-9cd40a6fff29">2016-06-07T07:00:00+00:00</Event_x0020_Start_x0020_Date>
-    <Target_x0020_Audiences xmlns="8ff673fc-3231-4e3a-893b-6d7f7cd32766" xsi:nil="true"/>
-    <iaa5f83406f94009a0f6a3e890699ff7 xmlns="01c77077-aee4-4b5f-bd4e-9cd40a6fff29">
-      <Terms xmlns="http://schemas.microsoft.com/office/infopath/2007/PartnerControls"/>
-    </iaa5f83406f94009a0f6a3e890699ff7>
-    <External_x0020_Speaker xmlns="01c77077-aee4-4b5f-bd4e-9cd40a6fff29" xsi:nil="true"/>
-    <m6878b9dd7994da4ba144f95347d99c6 xmlns="01c77077-aee4-4b5f-bd4e-9cd40a6fff29">
-      <Terms xmlns="http://schemas.microsoft.com/office/infopath/2007/PartnerControls"/>
-    </m6878b9dd7994da4ba144f95347d99c6>
-    <Presentation_x0020_Date xmlns="01c77077-aee4-4b5f-bd4e-9cd40a6fff29" xsi:nil="true"/>
-    <fc15c16204564de583b4c942b10d19ec xmlns="01c77077-aee4-4b5f-bd4e-9cd40a6fff29">
-      <Terms xmlns="http://schemas.microsoft.com/office/infopath/2007/PartnerControls"/>
-    </fc15c16204564de583b4c942b10d19ec>
-    <mb2e01f7e2d8413988e28e59aa226eec xmlns="01c77077-aee4-4b5f-bd4e-9cd40a6fff29">
-      <Terms xmlns="http://schemas.microsoft.com/office/infopath/2007/PartnerControls"/>
-    </mb2e01f7e2d8413988e28e59aa226eec>
-    <MS_x0020_Content_x0020_Owner xmlns="01c77077-aee4-4b5f-bd4e-9cd40a6fff29">
-      <UserInfo>
-        <DisplayName/>
-        <AccountId xsi:nil="true"/>
-        <AccountType/>
-      </UserInfo>
-    </MS_x0020_Content_x0020_Owner>
-    <Session_x0020_Code xmlns="01c77077-aee4-4b5f-bd4e-9cd40a6fff29" xsi:nil="true"/>
-    <Event_x0020_End_x0020_Date xmlns="01c77077-aee4-4b5f-bd4e-9cd40a6fff29">2016-06-09T07:00:00+00:00</Event_x0020_End_x0020_Date>
-    <o1010385baed4da9b5076a6aa651d1e5 xmlns="01c77077-aee4-4b5f-bd4e-9cd40a6fff29">
-      <Terms xmlns="http://schemas.microsoft.com/office/infopath/2007/PartnerControls"/>
-    </o1010385baed4da9b5076a6aa651d1e5>
-    <kc6d1bd9a46e4e5fbbbf99ca3de7a092 xmlns="01c77077-aee4-4b5f-bd4e-9cd40a6fff29">
-      <Terms xmlns="http://schemas.microsoft.com/office/infopath/2007/PartnerControls"/>
-    </kc6d1bd9a46e4e5fbbbf99ca3de7a092>
-    <MS_x0020_Speaker xmlns="01c77077-aee4-4b5f-bd4e-9cd40a6fff29">
-      <UserInfo>
-        <DisplayName/>
-        <AccountId xsi:nil="true"/>
-        <AccountType/>
-      </UserInfo>
-    </MS_x0020_Speaker>
-    <TaxKeywordTaxHTField xmlns="230e9df3-be65-4c73-a93b-d1236ebd677e">
-      <Terms xmlns="http://schemas.microsoft.com/office/infopath/2007/PartnerControls">
-        <TermInfo xmlns="http://schemas.microsoft.com/office/infopath/2007/PartnerControls">
-          <TermName xmlns="http://schemas.microsoft.com/office/infopath/2007/PartnerControls">dotnetConf</TermName>
-          <TermId xmlns="http://schemas.microsoft.com/office/infopath/2007/PartnerControls">be266ed6-d54a-44a0-a41e-10cf95a5491e</TermId>
-        </TermInfo>
-      </Terms>
-    </TaxKeywordTaxHTField>
-    <TaxCatchAll xmlns="230e9df3-be65-4c73-a93b-d1236ebd677e">
-      <Value>179</Value>
-    </TaxCatchAll>
-    <NumberofDownloads xmlns="230e9df3-be65-4c73-a93b-d1236ebd677e" xsi:nil="true"/>
-  </documentManagement>
-</p:properties>
+<file path=customXml/itemProps2.xml><?xml version="1.0" encoding="utf-8"?>
+<ds:datastoreItem xmlns:ds="http://schemas.openxmlformats.org/officeDocument/2006/customXml" ds:itemID="{758FDAC0-319D-4A54-8D8E-1D42CB1F8004}">
+  <ds:schemaRefs>
+    <ds:schemaRef ds:uri="http://schemas.microsoft.com/sharepoint/v3/contenttype/forms"/>
+  </ds:schemaRefs>
+</ds:datastoreItem>
 </file>
 
-<file path=customXml/itemProps1.xml><?xml version="1.0" encoding="utf-8"?>
+<file path=customXml/itemProps3.xml><?xml version="1.0" encoding="utf-8"?>
 <ds:datastoreItem xmlns:ds="http://schemas.openxmlformats.org/officeDocument/2006/customXml" ds:itemID="{6D8F288A-5131-4E80-AB86-F10FC037383B}">
   <ds:schemaRefs>
     <ds:schemaRef ds:uri="http://schemas.microsoft.com/office/2006/metadata/contentType"/>
@@ -9471,31 +9713,4 @@
     <ds:schemaRef ds:uri="http://schemas.microsoft.com/internal/obd"/>
   </ds:schemaRefs>
 </ds:datastoreItem>
-</file>
-
-<file path=customXml/itemProps2.xml><?xml version="1.0" encoding="utf-8"?>
-<ds:datastoreItem xmlns:ds="http://schemas.openxmlformats.org/officeDocument/2006/customXml" ds:itemID="{758FDAC0-319D-4A54-8D8E-1D42CB1F8004}">
-  <ds:schemaRefs>
-    <ds:schemaRef ds:uri="http://schemas.microsoft.com/sharepoint/v3/contenttype/forms"/>
-  </ds:schemaRefs>
-</ds:datastoreItem>
-</file>
-
-<file path=customXml/itemProps3.xml><?xml version="1.0" encoding="utf-8"?>
-<ds:datastoreItem xmlns:ds="http://schemas.openxmlformats.org/officeDocument/2006/customXml" ds:itemID="{F990F116-B58F-4255-B05B-DA3808E0E5C6}">
-  <ds:schemaRefs>
-    <ds:schemaRef ds:uri="http://www.w3.org/XML/1998/namespace"/>
-    <ds:schemaRef ds:uri="http://purl.org/dc/elements/1.1/"/>
-    <ds:schemaRef ds:uri="230e9df3-be65-4c73-a93b-d1236ebd677e"/>
-    <ds:schemaRef ds:uri="http://schemas.microsoft.com/office/2006/metadata/properties"/>
-    <ds:schemaRef ds:uri="8ff673fc-3231-4e3a-893b-6d7f7cd32766"/>
-    <ds:schemaRef ds:uri="http://purl.org/dc/terms/"/>
-    <ds:schemaRef ds:uri="http://schemas.microsoft.com/office/infopath/2007/PartnerControls"/>
-    <ds:schemaRef ds:uri="http://schemas.microsoft.com/office/2006/documentManagement/types"/>
-    <ds:schemaRef ds:uri="http://schemas.openxmlformats.org/package/2006/metadata/core-properties"/>
-    <ds:schemaRef ds:uri="01c77077-aee4-4b5f-bd4e-9cd40a6fff29"/>
-    <ds:schemaRef ds:uri="http://schemas.microsoft.com/sharepoint/v3"/>
-    <ds:schemaRef ds:uri="http://purl.org/dc/dcmitype/"/>
-  </ds:schemaRefs>
-</ds:datastoreItem>
 </file>